--- a/Poster.pptx
+++ b/Poster.pptx
@@ -161,12 +161,12 @@
   <pc:docChgLst>
     <pc:chgData name="Daryl Quek" userId="f27e3362e4192b30" providerId="LiveId" clId="{EABF0CBF-A883-4410-8F6F-DAEAA6E8CC01}"/>
     <pc:docChg chg="undo custSel modSld">
-      <pc:chgData name="Daryl Quek" userId="f27e3362e4192b30" providerId="LiveId" clId="{EABF0CBF-A883-4410-8F6F-DAEAA6E8CC01}" dt="2018-11-24T15:18:44.997" v="884" actId="5793"/>
+      <pc:chgData name="Daryl Quek" userId="f27e3362e4192b30" providerId="LiveId" clId="{EABF0CBF-A883-4410-8F6F-DAEAA6E8CC01}" dt="2018-11-25T09:24:48.907" v="1209" actId="20577"/>
       <pc:docMkLst>
         <pc:docMk/>
       </pc:docMkLst>
       <pc:sldChg chg="addSp delSp modSp">
-        <pc:chgData name="Daryl Quek" userId="f27e3362e4192b30" providerId="LiveId" clId="{EABF0CBF-A883-4410-8F6F-DAEAA6E8CC01}" dt="2018-11-24T15:18:44.997" v="884" actId="5793"/>
+        <pc:chgData name="Daryl Quek" userId="f27e3362e4192b30" providerId="LiveId" clId="{EABF0CBF-A883-4410-8F6F-DAEAA6E8CC01}" dt="2018-11-25T09:24:48.907" v="1209" actId="20577"/>
         <pc:sldMkLst>
           <pc:docMk/>
           <pc:sldMk cId="0" sldId="256"/>
@@ -212,7 +212,7 @@
           </ac:spMkLst>
         </pc:spChg>
         <pc:graphicFrameChg chg="add mod modGraphic">
-          <ac:chgData name="Daryl Quek" userId="f27e3362e4192b30" providerId="LiveId" clId="{EABF0CBF-A883-4410-8F6F-DAEAA6E8CC01}" dt="2018-11-24T15:17:52.654" v="796" actId="20577"/>
+          <ac:chgData name="Daryl Quek" userId="f27e3362e4192b30" providerId="LiveId" clId="{EABF0CBF-A883-4410-8F6F-DAEAA6E8CC01}" dt="2018-11-25T09:24:48.907" v="1209" actId="20577"/>
           <ac:graphicFrameMkLst>
             <pc:docMk/>
             <pc:sldMk cId="0" sldId="256"/>
@@ -8783,14 +8783,14 @@
           <p:nvPr>
             <p:extLst>
               <p:ext uri="{D42A27DB-BD31-4B8C-83A1-F6EECF244321}">
-                <p14:modId xmlns:p14="http://schemas.microsoft.com/office/powerpoint/2010/main" val="3464913332"/>
+                <p14:modId xmlns:p14="http://schemas.microsoft.com/office/powerpoint/2010/main" val="329622840"/>
               </p:ext>
             </p:extLst>
           </p:nvPr>
         </p:nvGraphicFramePr>
         <p:xfrm>
           <a:off x="19633406" y="4275566"/>
-          <a:ext cx="9448800" cy="5737922"/>
+          <a:ext cx="9753600" cy="6177418"/>
         </p:xfrm>
         <a:graphic>
           <a:graphicData uri="http://schemas.openxmlformats.org/drawingml/2006/table">
@@ -8806,24 +8806,17 @@
                     </a:ext>
                   </a:extLst>
                 </a:gridCol>
-                <a:gridCol w="2362200">
+                <a:gridCol w="4343400">
                   <a:extLst>
                     <a:ext uri="{9D8B030D-6E8A-4147-A177-3AD203B41FA5}">
                       <a16:colId xmlns:a16="http://schemas.microsoft.com/office/drawing/2014/main" val="1017342635"/>
                     </a:ext>
                   </a:extLst>
                 </a:gridCol>
-                <a:gridCol w="2362200">
+                <a:gridCol w="3048000">
                   <a:extLst>
                     <a:ext uri="{9D8B030D-6E8A-4147-A177-3AD203B41FA5}">
-                      <a16:colId xmlns:a16="http://schemas.microsoft.com/office/drawing/2014/main" val="866945953"/>
-                    </a:ext>
-                  </a:extLst>
-                </a:gridCol>
-                <a:gridCol w="2362200">
-                  <a:extLst>
-                    <a:ext uri="{9D8B030D-6E8A-4147-A177-3AD203B41FA5}">
-                      <a16:colId xmlns:a16="http://schemas.microsoft.com/office/drawing/2014/main" val="1522043755"/>
+                      <a16:colId xmlns:a16="http://schemas.microsoft.com/office/drawing/2014/main" val="714126360"/>
                     </a:ext>
                   </a:extLst>
                 </a:gridCol>
@@ -8880,23 +8873,6 @@
                     </a:solidFill>
                   </a:tcPr>
                 </a:tc>
-                <a:tc>
-                  <a:txBody>
-                    <a:bodyPr/>
-                    <a:lstStyle/>
-                    <a:p>
-                      <a:r>
-                        <a:rPr lang="en-SG" sz="2000" dirty="0"/>
-                        <a:t>???</a:t>
-                      </a:r>
-                    </a:p>
-                  </a:txBody>
-                  <a:tcPr>
-                    <a:solidFill>
-                      <a:srgbClr val="345299"/>
-                    </a:solidFill>
-                  </a:tcPr>
-                </a:tc>
                 <a:extLst>
                   <a:ext uri="{0D108BD9-81ED-4DB2-BD59-A6C34878D82A}">
                     <a16:rowId xmlns:a16="http://schemas.microsoft.com/office/drawing/2014/main" val="1799610700"/>
@@ -8904,7 +8880,7 @@
                 </a:extLst>
               </a:tr>
               <a:tr h="398828">
-                <a:tc gridSpan="4">
+                <a:tc gridSpan="3">
                   <a:txBody>
                     <a:bodyPr/>
                     <a:lstStyle/>
@@ -8940,20 +8916,18 @@
                     <a:bodyPr/>
                     <a:lstStyle/>
                     <a:p>
-                      <a:endParaRPr lang="en-SG" dirty="0"/>
+                      <a:endParaRPr lang="en-SG" sz="2000" b="1" dirty="0">
+                        <a:solidFill>
+                          <a:schemeClr val="bg1"/>
+                        </a:solidFill>
+                      </a:endParaRPr>
                     </a:p>
                   </a:txBody>
-                  <a:tcPr/>
-                </a:tc>
-                <a:tc hMerge="1">
-                  <a:txBody>
-                    <a:bodyPr/>
-                    <a:lstStyle/>
-                    <a:p>
-                      <a:endParaRPr lang="en-SG" dirty="0"/>
-                    </a:p>
-                  </a:txBody>
-                  <a:tcPr/>
+                  <a:tcPr>
+                    <a:solidFill>
+                      <a:srgbClr val="345299"/>
+                    </a:solidFill>
+                  </a:tcPr>
                 </a:tc>
                 <a:extLst>
                   <a:ext uri="{0D108BD9-81ED-4DB2-BD59-A6C34878D82A}">
@@ -8967,7 +8941,23 @@
                     <a:bodyPr/>
                     <a:lstStyle/>
                     <a:p>
-                      <a:endParaRPr lang="en-SG" sz="2000" dirty="0"/>
+                      <a:r>
+                        <a:rPr lang="en-SG" sz="2000" dirty="0"/>
+                        <a:t>Domain Age</a:t>
+                      </a:r>
+                    </a:p>
+                  </a:txBody>
+                  <a:tcPr/>
+                </a:tc>
+                <a:tc>
+                  <a:txBody>
+                    <a:bodyPr/>
+                    <a:lstStyle/>
+                    <a:p>
+                      <a:r>
+                        <a:rPr lang="en-SG" sz="2000" dirty="0"/>
+                        <a:t>&gt; 1 month</a:t>
+                      </a:r>
                     </a:p>
                   </a:txBody>
                   <a:tcPr/>
@@ -8982,12 +8972,22 @@
                   </a:txBody>
                   <a:tcPr/>
                 </a:tc>
+                <a:extLst>
+                  <a:ext uri="{0D108BD9-81ED-4DB2-BD59-A6C34878D82A}">
+                    <a16:rowId xmlns:a16="http://schemas.microsoft.com/office/drawing/2014/main" val="812863633"/>
+                  </a:ext>
+                </a:extLst>
+              </a:tr>
+              <a:tr h="764547">
                 <a:tc>
                   <a:txBody>
                     <a:bodyPr/>
                     <a:lstStyle/>
                     <a:p>
-                      <a:endParaRPr lang="en-SG" sz="2000"/>
+                      <a:r>
+                        <a:rPr lang="en-SG" sz="2000" dirty="0"/>
+                        <a:t>Domain Expiry</a:t>
+                      </a:r>
                     </a:p>
                   </a:txBody>
                   <a:tcPr/>
@@ -8997,7 +8997,20 @@
                     <a:bodyPr/>
                     <a:lstStyle/>
                     <a:p>
-                      <a:endParaRPr lang="en-SG" sz="2000"/>
+                      <a:r>
+                        <a:rPr lang="en-SG" sz="2000" dirty="0"/>
+                        <a:t>&lt; 3 months</a:t>
+                      </a:r>
+                    </a:p>
+                  </a:txBody>
+                  <a:tcPr/>
+                </a:tc>
+                <a:tc>
+                  <a:txBody>
+                    <a:bodyPr/>
+                    <a:lstStyle/>
+                    <a:p>
+                      <a:endParaRPr lang="en-SG" sz="2000" dirty="0"/>
                     </a:p>
                   </a:txBody>
                   <a:tcPr/>
@@ -9008,8 +9021,51 @@
                   </a:ext>
                 </a:extLst>
               </a:tr>
+              <a:tr h="764547">
+                <a:tc>
+                  <a:txBody>
+                    <a:bodyPr/>
+                    <a:lstStyle/>
+                    <a:p>
+                      <a:r>
+                        <a:rPr lang="en-SG" sz="2000" dirty="0"/>
+                        <a:t>Registrant</a:t>
+                      </a:r>
+                    </a:p>
+                  </a:txBody>
+                  <a:tcPr/>
+                </a:tc>
+                <a:tc>
+                  <a:txBody>
+                    <a:bodyPr/>
+                    <a:lstStyle/>
+                    <a:p>
+                      <a:r>
+                        <a:rPr lang="en-SG" sz="2000" dirty="0"/>
+                        <a:t>Top Google search result for registrant must be a page registered by registrant</a:t>
+                      </a:r>
+                    </a:p>
+                  </a:txBody>
+                  <a:tcPr/>
+                </a:tc>
+                <a:tc>
+                  <a:txBody>
+                    <a:bodyPr/>
+                    <a:lstStyle/>
+                    <a:p>
+                      <a:endParaRPr lang="en-SG" sz="2000" dirty="0"/>
+                    </a:p>
+                  </a:txBody>
+                  <a:tcPr/>
+                </a:tc>
+                <a:extLst>
+                  <a:ext uri="{0D108BD9-81ED-4DB2-BD59-A6C34878D82A}">
+                    <a16:rowId xmlns:a16="http://schemas.microsoft.com/office/drawing/2014/main" val="287246157"/>
+                  </a:ext>
+                </a:extLst>
+              </a:tr>
               <a:tr h="299706">
-                <a:tc gridSpan="4">
+                <a:tc gridSpan="3">
                   <a:txBody>
                     <a:bodyPr/>
                     <a:lstStyle/>
@@ -9066,21 +9122,28 @@
                     <a:bodyPr/>
                     <a:lstStyle/>
                     <a:p>
-                      <a:endParaRPr lang="en-SG" dirty="0"/>
-                    </a:p>
-                  </a:txBody>
-                  <a:tcPr>
-                    <a:solidFill>
-                      <a:srgbClr val="345299"/>
-                    </a:solidFill>
-                  </a:tcPr>
-                </a:tc>
-                <a:tc hMerge="1">
-                  <a:txBody>
-                    <a:bodyPr/>
-                    <a:lstStyle/>
-                    <a:p>
-                      <a:endParaRPr lang="en-SG" dirty="0"/>
+                      <a:pPr marL="0" marR="0" lvl="0" indent="0" algn="l" defTabSz="615025" rtl="0" eaLnBrk="1" fontAlgn="auto" latinLnBrk="0" hangingPunct="1">
+                        <a:lnSpc>
+                          <a:spcPct val="100000"/>
+                        </a:lnSpc>
+                        <a:spcBef>
+                          <a:spcPts val="0"/>
+                        </a:spcBef>
+                        <a:spcAft>
+                          <a:spcPts val="0"/>
+                        </a:spcAft>
+                        <a:buClrTx/>
+                        <a:buSzTx/>
+                        <a:buFontTx/>
+                        <a:buNone/>
+                        <a:tabLst/>
+                        <a:defRPr/>
+                      </a:pPr>
+                      <a:endParaRPr lang="en-SG" sz="2000" b="1" dirty="0">
+                        <a:solidFill>
+                          <a:schemeClr val="bg1"/>
+                        </a:solidFill>
+                      </a:endParaRPr>
                     </a:p>
                   </a:txBody>
                   <a:tcPr>
@@ -9118,16 +9181,6 @@
                         <a:rPr lang="en-SG" sz="2000" dirty="0"/>
                         <a:t>+/- 10 ranks from possible identified original site</a:t>
                       </a:r>
-                    </a:p>
-                  </a:txBody>
-                  <a:tcPr/>
-                </a:tc>
-                <a:tc>
-                  <a:txBody>
-                    <a:bodyPr/>
-                    <a:lstStyle/>
-                    <a:p>
-                      <a:endParaRPr lang="en-SG" sz="2000" dirty="0"/>
                     </a:p>
                   </a:txBody>
                   <a:tcPr/>
@@ -9185,16 +9238,6 @@
                   </a:txBody>
                   <a:tcPr/>
                 </a:tc>
-                <a:tc>
-                  <a:txBody>
-                    <a:bodyPr/>
-                    <a:lstStyle/>
-                    <a:p>
-                      <a:endParaRPr lang="en-SG" sz="2000" dirty="0"/>
-                    </a:p>
-                  </a:txBody>
-                  <a:tcPr/>
-                </a:tc>
                 <a:extLst>
                   <a:ext uri="{0D108BD9-81ED-4DB2-BD59-A6C34878D82A}">
                     <a16:rowId xmlns:a16="http://schemas.microsoft.com/office/drawing/2014/main" val="616146629"/>
@@ -9202,7 +9245,7 @@
                 </a:extLst>
               </a:tr>
               <a:tr h="266679">
-                <a:tc gridSpan="4">
+                <a:tc gridSpan="3">
                   <a:txBody>
                     <a:bodyPr/>
                     <a:lstStyle/>
@@ -9255,20 +9298,35 @@
                     <a:bodyPr/>
                     <a:lstStyle/>
                     <a:p>
-                      <a:endParaRPr lang="en-SG" sz="2000" dirty="0"/>
+                      <a:pPr marL="0" marR="0" lvl="0" indent="0" algn="l" defTabSz="615025" rtl="0" eaLnBrk="1" fontAlgn="auto" latinLnBrk="0" hangingPunct="1">
+                        <a:lnSpc>
+                          <a:spcPct val="100000"/>
+                        </a:lnSpc>
+                        <a:spcBef>
+                          <a:spcPts val="0"/>
+                        </a:spcBef>
+                        <a:spcAft>
+                          <a:spcPts val="0"/>
+                        </a:spcAft>
+                        <a:buClrTx/>
+                        <a:buSzTx/>
+                        <a:buFontTx/>
+                        <a:buNone/>
+                        <a:tabLst/>
+                        <a:defRPr/>
+                      </a:pPr>
+                      <a:endParaRPr lang="en-SG" sz="2000" b="1" dirty="0">
+                        <a:solidFill>
+                          <a:schemeClr val="bg1"/>
+                        </a:solidFill>
+                      </a:endParaRPr>
                     </a:p>
                   </a:txBody>
-                  <a:tcPr/>
-                </a:tc>
-                <a:tc hMerge="1">
-                  <a:txBody>
-                    <a:bodyPr/>
-                    <a:lstStyle/>
-                    <a:p>
-                      <a:endParaRPr lang="en-SG" sz="2000" dirty="0"/>
-                    </a:p>
-                  </a:txBody>
-                  <a:tcPr/>
+                  <a:tcPr>
+                    <a:solidFill>
+                      <a:srgbClr val="345299"/>
+                    </a:solidFill>
+                  </a:tcPr>
                 </a:tc>
                 <a:extLst>
                   <a:ext uri="{0D108BD9-81ED-4DB2-BD59-A6C34878D82A}">
@@ -9282,17 +9340,11 @@
                     <a:bodyPr/>
                     <a:lstStyle/>
                     <a:p>
+                      <a:r>
+                        <a:rPr lang="en-SG" sz="2000"/>
+                        <a:t>Forms</a:t>
+                      </a:r>
                       <a:endParaRPr lang="en-SG" sz="2000" dirty="0"/>
-                    </a:p>
-                  </a:txBody>
-                  <a:tcPr/>
-                </a:tc>
-                <a:tc>
-                  <a:txBody>
-                    <a:bodyPr/>
-                    <a:lstStyle/>
-                    <a:p>
-                      <a:endParaRPr lang="en-SG" sz="2000"/>
                     </a:p>
                   </a:txBody>
                   <a:tcPr/>

--- a/Poster.pptx
+++ b/Poster.pptx
@@ -161,12 +161,12 @@
   <pc:docChgLst>
     <pc:chgData name="Daryl Quek" userId="f27e3362e4192b30" providerId="LiveId" clId="{EABF0CBF-A883-4410-8F6F-DAEAA6E8CC01}"/>
     <pc:docChg chg="undo custSel modSld">
-      <pc:chgData name="Daryl Quek" userId="f27e3362e4192b30" providerId="LiveId" clId="{EABF0CBF-A883-4410-8F6F-DAEAA6E8CC01}" dt="2018-11-25T09:24:48.907" v="1209" actId="20577"/>
+      <pc:chgData name="Daryl Quek" userId="f27e3362e4192b30" providerId="LiveId" clId="{EABF0CBF-A883-4410-8F6F-DAEAA6E8CC01}" dt="2018-11-25T09:59:11.373" v="3385" actId="20577"/>
       <pc:docMkLst>
         <pc:docMk/>
       </pc:docMkLst>
       <pc:sldChg chg="addSp delSp modSp">
-        <pc:chgData name="Daryl Quek" userId="f27e3362e4192b30" providerId="LiveId" clId="{EABF0CBF-A883-4410-8F6F-DAEAA6E8CC01}" dt="2018-11-25T09:24:48.907" v="1209" actId="20577"/>
+        <pc:chgData name="Daryl Quek" userId="f27e3362e4192b30" providerId="LiveId" clId="{EABF0CBF-A883-4410-8F6F-DAEAA6E8CC01}" dt="2018-11-25T09:59:11.373" v="3385" actId="20577"/>
         <pc:sldMkLst>
           <pc:docMk/>
           <pc:sldMk cId="0" sldId="256"/>
@@ -180,11 +180,19 @@
           </ac:spMkLst>
         </pc:spChg>
         <pc:spChg chg="mod">
-          <ac:chgData name="Daryl Quek" userId="f27e3362e4192b30" providerId="LiveId" clId="{EABF0CBF-A883-4410-8F6F-DAEAA6E8CC01}" dt="2018-11-24T15:18:44.997" v="884" actId="5793"/>
+          <ac:chgData name="Daryl Quek" userId="f27e3362e4192b30" providerId="LiveId" clId="{EABF0CBF-A883-4410-8F6F-DAEAA6E8CC01}" dt="2018-11-25T09:58:49.833" v="3296" actId="20577"/>
           <ac:spMkLst>
             <pc:docMk/>
             <pc:sldMk cId="0" sldId="256"/>
             <ac:spMk id="23" creationId="{00000000-0000-0000-0000-000000000000}"/>
+          </ac:spMkLst>
+        </pc:spChg>
+        <pc:spChg chg="mod">
+          <ac:chgData name="Daryl Quek" userId="f27e3362e4192b30" providerId="LiveId" clId="{EABF0CBF-A883-4410-8F6F-DAEAA6E8CC01}" dt="2018-11-25T09:39:13.188" v="1476" actId="113"/>
+          <ac:spMkLst>
+            <pc:docMk/>
+            <pc:sldMk cId="0" sldId="256"/>
+            <ac:spMk id="148" creationId="{00000000-0000-0000-0000-000000000000}"/>
           </ac:spMkLst>
         </pc:spChg>
         <pc:spChg chg="mod">
@@ -196,7 +204,7 @@
           </ac:spMkLst>
         </pc:spChg>
         <pc:spChg chg="mod">
-          <ac:chgData name="Daryl Quek" userId="f27e3362e4192b30" providerId="LiveId" clId="{EABF0CBF-A883-4410-8F6F-DAEAA6E8CC01}" dt="2018-11-24T15:09:41.089" v="514" actId="20577"/>
+          <ac:chgData name="Daryl Quek" userId="f27e3362e4192b30" providerId="LiveId" clId="{EABF0CBF-A883-4410-8F6F-DAEAA6E8CC01}" dt="2018-11-25T09:42:07.300" v="1597" actId="20577"/>
           <ac:spMkLst>
             <pc:docMk/>
             <pc:sldMk cId="0" sldId="256"/>
@@ -211,12 +219,28 @@
             <ac:spMk id="2570" creationId="{00000000-0000-0000-0000-000000000000}"/>
           </ac:spMkLst>
         </pc:spChg>
+        <pc:spChg chg="mod">
+          <ac:chgData name="Daryl Quek" userId="f27e3362e4192b30" providerId="LiveId" clId="{EABF0CBF-A883-4410-8F6F-DAEAA6E8CC01}" dt="2018-11-25T09:59:11.373" v="3385" actId="20577"/>
+          <ac:spMkLst>
+            <pc:docMk/>
+            <pc:sldMk cId="0" sldId="256"/>
+            <ac:spMk id="2589" creationId="{00000000-0000-0000-0000-000000000000}"/>
+          </ac:spMkLst>
+        </pc:spChg>
         <pc:graphicFrameChg chg="add mod modGraphic">
-          <ac:chgData name="Daryl Quek" userId="f27e3362e4192b30" providerId="LiveId" clId="{EABF0CBF-A883-4410-8F6F-DAEAA6E8CC01}" dt="2018-11-25T09:24:48.907" v="1209" actId="20577"/>
+          <ac:chgData name="Daryl Quek" userId="f27e3362e4192b30" providerId="LiveId" clId="{EABF0CBF-A883-4410-8F6F-DAEAA6E8CC01}" dt="2018-11-25T09:33:23.142" v="1378" actId="20577"/>
           <ac:graphicFrameMkLst>
             <pc:docMk/>
             <pc:sldMk cId="0" sldId="256"/>
             <ac:graphicFrameMk id="3" creationId="{E2BDA739-5B11-4071-938B-12C5D55E1CD5}"/>
+          </ac:graphicFrameMkLst>
+        </pc:graphicFrameChg>
+        <pc:graphicFrameChg chg="mod">
+          <ac:chgData name="Daryl Quek" userId="f27e3362e4192b30" providerId="LiveId" clId="{EABF0CBF-A883-4410-8F6F-DAEAA6E8CC01}" dt="2018-11-25T09:54:01.176" v="2408" actId="20577"/>
+          <ac:graphicFrameMkLst>
+            <pc:docMk/>
+            <pc:sldMk cId="0" sldId="256"/>
+            <ac:graphicFrameMk id="6" creationId="{619D95D5-A2A3-42D1-ACEE-B4810BCB6266}"/>
           </ac:graphicFrameMkLst>
         </pc:graphicFrameChg>
         <pc:picChg chg="del">
@@ -225,6 +249,14 @@
             <pc:docMk/>
             <pc:sldMk cId="0" sldId="256"/>
             <ac:picMk id="8" creationId="{00000000-0000-0000-0000-000000000000}"/>
+          </ac:picMkLst>
+        </pc:picChg>
+        <pc:picChg chg="del">
+          <ac:chgData name="Daryl Quek" userId="f27e3362e4192b30" providerId="LiveId" clId="{EABF0CBF-A883-4410-8F6F-DAEAA6E8CC01}" dt="2018-11-25T09:48:21.377" v="2117" actId="478"/>
+          <ac:picMkLst>
+            <pc:docMk/>
+            <pc:sldMk cId="0" sldId="256"/>
+            <ac:picMk id="9" creationId="{00000000-0000-0000-0000-000000000000}"/>
           </ac:picMkLst>
         </pc:picChg>
       </pc:sldChg>
@@ -1003,7 +1035,7 @@
         <a:p>
           <a:r>
             <a:rPr lang="en-US" dirty="0"/>
-            <a:t>Malicious Detection</a:t>
+            <a:t>Phishing Detection</a:t>
           </a:r>
         </a:p>
       </dgm:t>
@@ -1268,7 +1300,7 @@
   <dgm:whole/>
   <dgm:extLst>
     <a:ext uri="http://schemas.microsoft.com/office/drawing/2008/diagram">
-      <dsp:dataModelExt xmlns:dsp="http://schemas.microsoft.com/office/drawing/2008/diagram" relId="rId10" minVer="http://schemas.openxmlformats.org/drawingml/2006/diagram"/>
+      <dsp:dataModelExt xmlns:dsp="http://schemas.microsoft.com/office/drawing/2008/diagram" relId="rId9" minVer="http://schemas.openxmlformats.org/drawingml/2006/diagram"/>
     </a:ext>
   </dgm:extLst>
 </dgm:dataModel>
@@ -1356,12 +1388,12 @@
         </a:fontRef>
       </dsp:style>
       <dsp:txBody>
-        <a:bodyPr spcFirstLastPara="0" vert="horz" wrap="square" lIns="19685" tIns="19685" rIns="19685" bIns="19685" numCol="1" spcCol="1270" anchor="ctr" anchorCtr="0">
+        <a:bodyPr spcFirstLastPara="0" vert="horz" wrap="square" lIns="20320" tIns="20320" rIns="20320" bIns="20320" numCol="1" spcCol="1270" anchor="ctr" anchorCtr="0">
           <a:noAutofit/>
         </a:bodyPr>
         <a:lstStyle/>
         <a:p>
-          <a:pPr marL="0" lvl="0" indent="0" algn="ctr" defTabSz="1377950">
+          <a:pPr marL="0" lvl="0" indent="0" algn="ctr" defTabSz="1422400">
             <a:lnSpc>
               <a:spcPct val="90000"/>
             </a:lnSpc>
@@ -1374,8 +1406,8 @@
             <a:buNone/>
           </a:pPr>
           <a:r>
-            <a:rPr lang="en-US" sz="3100" kern="1200" dirty="0"/>
-            <a:t>Malicious Detection</a:t>
+            <a:rPr lang="en-US" sz="3200" kern="1200" dirty="0"/>
+            <a:t>Phishing Detection</a:t>
           </a:r>
         </a:p>
       </dsp:txBody>
@@ -7643,21 +7675,7 @@
                 <a:latin typeface="Arial" charset="0"/>
                 <a:ea typeface="宋体" pitchFamily="2" charset="-122"/>
               </a:rPr>
-              <a:t>ARM has strictly </a:t>
-            </a:r>
-            <a:r>
-              <a:rPr lang="en-AU" altLang="zh-CN" sz="2300" b="1" baseline="0" dirty="0">
-                <a:latin typeface="Arial" charset="0"/>
-                <a:ea typeface="宋体" pitchFamily="2" charset="-122"/>
-              </a:rPr>
-              <a:t>aligned 4 byte or 2 byte instructions</a:t>
-            </a:r>
-            <a:r>
-              <a:rPr lang="en-AU" altLang="zh-CN" sz="2300" baseline="0" dirty="0">
-                <a:latin typeface="Arial" charset="0"/>
-                <a:ea typeface="宋体" pitchFamily="2" charset="-122"/>
-              </a:rPr>
-              <a:t> thereby reducing the variety of instructions for gadget construction.</a:t>
+              <a:t>WHOIS parsing is not trivial due to many different formats.</a:t>
             </a:r>
           </a:p>
           <a:p>
@@ -7670,98 +7688,15 @@
               </a:buBlip>
             </a:pPr>
             <a:r>
-              <a:rPr lang="en-AU" altLang="zh-CN" sz="2300" baseline="0" dirty="0">
+              <a:rPr lang="en-GB" altLang="zh-CN" sz="2300" baseline="0" dirty="0">
+                <a:solidFill>
+                  <a:srgbClr val="000000"/>
+                </a:solidFill>
                 <a:latin typeface="Arial" charset="0"/>
                 <a:ea typeface="宋体" pitchFamily="2" charset="-122"/>
               </a:rPr>
-              <a:t>ARM requires function argument to be placed in </a:t>
-            </a:r>
-            <a:r>
-              <a:rPr lang="en-AU" altLang="zh-CN" sz="2300" b="1" baseline="0" dirty="0">
-                <a:latin typeface="Arial" charset="0"/>
-                <a:ea typeface="宋体" pitchFamily="2" charset="-122"/>
-              </a:rPr>
-              <a:t>registers</a:t>
-            </a:r>
-            <a:r>
-              <a:rPr lang="en-AU" altLang="zh-CN" sz="2300" baseline="0" dirty="0">
-                <a:latin typeface="Arial" charset="0"/>
-                <a:ea typeface="宋体" pitchFamily="2" charset="-122"/>
-              </a:rPr>
-              <a:t> as opposed to stack.</a:t>
-            </a:r>
-          </a:p>
-          <a:p>
-            <a:pPr marL="269074" indent="-269074" algn="just" defTabSz="538147">
-              <a:spcBef>
-                <a:spcPct val="50000"/>
-              </a:spcBef>
-              <a:buBlip>
-                <a:blip r:embed="rId3"/>
-              </a:buBlip>
-            </a:pPr>
-            <a:r>
-              <a:rPr lang="en-AU" altLang="zh-CN" sz="2300" baseline="0" dirty="0">
-                <a:latin typeface="Arial" charset="0"/>
-                <a:ea typeface="宋体" pitchFamily="2" charset="-122"/>
-              </a:rPr>
-              <a:t>DEP able to be bypassed using </a:t>
-            </a:r>
-            <a:r>
-              <a:rPr lang="en-AU" altLang="zh-CN" sz="2300" b="1" baseline="0" dirty="0">
-                <a:latin typeface="Arial" charset="0"/>
-                <a:ea typeface="宋体" pitchFamily="2" charset="-122"/>
-              </a:rPr>
-              <a:t>Return to Zero Protection (Ret2ZP)</a:t>
-            </a:r>
-          </a:p>
-          <a:p>
-            <a:pPr marL="269074" indent="-269074" algn="just" defTabSz="538147">
-              <a:spcBef>
-                <a:spcPct val="50000"/>
-              </a:spcBef>
-              <a:buBlip>
-                <a:blip r:embed="rId3"/>
-              </a:buBlip>
-            </a:pPr>
-            <a:r>
-              <a:rPr lang="en-AU" altLang="zh-CN" sz="2300" baseline="0" dirty="0">
-                <a:latin typeface="Arial" charset="0"/>
-                <a:ea typeface="宋体" pitchFamily="2" charset="-122"/>
-              </a:rPr>
-              <a:t>No open source automated </a:t>
-            </a:r>
-            <a:r>
-              <a:rPr lang="en-AU" altLang="zh-CN" sz="2300" b="1" baseline="0" dirty="0">
-                <a:latin typeface="Arial" charset="0"/>
-                <a:ea typeface="宋体" pitchFamily="2" charset="-122"/>
-              </a:rPr>
-              <a:t>ROP gadget creation tool </a:t>
-            </a:r>
-            <a:r>
-              <a:rPr lang="en-AU" altLang="zh-CN" sz="2300" baseline="0" dirty="0">
-                <a:latin typeface="Arial" charset="0"/>
-                <a:ea typeface="宋体" pitchFamily="2" charset="-122"/>
-              </a:rPr>
-              <a:t>available</a:t>
-            </a:r>
-          </a:p>
-          <a:p>
-            <a:pPr marL="269074" indent="-269074" algn="just" defTabSz="538147">
-              <a:spcBef>
-                <a:spcPct val="50000"/>
-              </a:spcBef>
-              <a:buBlip>
-                <a:blip r:embed="rId3"/>
-              </a:buBlip>
-            </a:pPr>
-            <a:endParaRPr lang="en-GB" altLang="zh-CN" sz="2300" baseline="0" dirty="0">
-              <a:solidFill>
-                <a:srgbClr val="000000"/>
-              </a:solidFill>
-              <a:latin typeface="Arial" charset="0"/>
-              <a:ea typeface="宋体" pitchFamily="2" charset="-122"/>
-            </a:endParaRPr>
+              <a:t>Domain privacy strips availability of WHOIS data. This may soon become standard practice due to EU privacy regulations!</a:t>
+            </a:r>
           </a:p>
         </p:txBody>
       </p:sp>
@@ -7876,16 +7811,26 @@
             </a:r>
           </a:p>
           <a:p>
-            <a:pPr marL="342900" lvl="1" indent="-342900" algn="just" defTabSz="600077">
+            <a:pPr marL="457200" lvl="1" indent="-457200" algn="just" defTabSz="600077">
               <a:spcBef>
                 <a:spcPct val="50000"/>
               </a:spcBef>
               <a:buClr>
                 <a:srgbClr val="FF6600"/>
               </a:buClr>
-              <a:buFont typeface="Wingdings" charset="2"/>
-              <a:buChar char="§"/>
+              <a:buFont typeface="+mj-lt"/>
+              <a:buAutoNum type="arabicPeriod"/>
             </a:pPr>
+            <a:r>
+              <a:rPr lang="en-US" altLang="zh-CN" sz="2300" baseline="0" dirty="0" err="1">
+                <a:solidFill>
+                  <a:srgbClr val="000000"/>
+                </a:solidFill>
+                <a:latin typeface="Arial" charset="0"/>
+                <a:ea typeface="宋体" pitchFamily="2" charset="-122"/>
+              </a:rPr>
+              <a:t>SmellsPhishy</a:t>
+            </a:r>
             <a:r>
               <a:rPr lang="en-US" altLang="zh-CN" sz="2300" baseline="0" dirty="0">
                 <a:solidFill>
@@ -7894,30 +7839,20 @@
                 <a:latin typeface="Arial" charset="0"/>
                 <a:ea typeface="宋体" pitchFamily="2" charset="-122"/>
               </a:rPr>
-              <a:t>Perform arbitrary computation with ROP on X86 Architecture.</a:t>
-            </a:r>
-          </a:p>
-          <a:p>
-            <a:pPr marL="342900" lvl="1" indent="-342900" algn="just" defTabSz="600077">
+              <a:t> uses the Chrome API to intercept HTTP requests containing Punycode and HTTP responses containing redirects.</a:t>
+            </a:r>
+          </a:p>
+          <a:p>
+            <a:pPr marL="457200" lvl="1" indent="-457200" algn="just" defTabSz="600077">
               <a:spcBef>
                 <a:spcPct val="50000"/>
               </a:spcBef>
               <a:buClr>
                 <a:srgbClr val="FF6600"/>
               </a:buClr>
-              <a:buFont typeface="Wingdings" charset="2"/>
-              <a:buChar char="§"/>
+              <a:buFont typeface="+mj-lt"/>
+              <a:buAutoNum type="arabicPeriod"/>
             </a:pPr>
-            <a:r>
-              <a:rPr lang="en-US" altLang="zh-CN" sz="2300" b="1" baseline="0" dirty="0">
-                <a:solidFill>
-                  <a:srgbClr val="000000"/>
-                </a:solidFill>
-                <a:latin typeface="Arial" charset="0"/>
-                <a:ea typeface="宋体" pitchFamily="2" charset="-122"/>
-              </a:rPr>
-              <a:t>Gadgets</a:t>
-            </a:r>
             <a:r>
               <a:rPr lang="en-US" altLang="zh-CN" sz="2300" baseline="0" dirty="0">
                 <a:solidFill>
@@ -7926,18 +7861,20 @@
                 <a:latin typeface="Arial" charset="0"/>
                 <a:ea typeface="宋体" pitchFamily="2" charset="-122"/>
               </a:rPr>
-              <a:t> are short Instruction sequences, ranging from 2 to 5 instructions existing in libraries loaded as the vulnerable program runs, and ends with a </a:t>
-            </a:r>
-            <a:r>
-              <a:rPr lang="en-US" altLang="zh-CN" sz="2300" b="1" baseline="0" dirty="0">
-                <a:solidFill>
-                  <a:srgbClr val="000000"/>
-                </a:solidFill>
-                <a:latin typeface="Arial" charset="0"/>
-                <a:ea typeface="宋体" pitchFamily="2" charset="-122"/>
-              </a:rPr>
-              <a:t>RET</a:t>
-            </a:r>
+              <a:t>A Google search is conducted for the target URL’s page title. If URL of the top search result matches, this is considered to be a legitimate web page. Otherwise, it is put through the phishing detection engine.</a:t>
+            </a:r>
+          </a:p>
+          <a:p>
+            <a:pPr marL="457200" lvl="1" indent="-457200" algn="just" defTabSz="600077">
+              <a:spcBef>
+                <a:spcPct val="50000"/>
+              </a:spcBef>
+              <a:buClr>
+                <a:srgbClr val="FF6600"/>
+              </a:buClr>
+              <a:buFont typeface="+mj-lt"/>
+              <a:buAutoNum type="arabicPeriod"/>
+            </a:pPr>
             <a:r>
               <a:rPr lang="en-US" altLang="zh-CN" sz="2300" baseline="0" dirty="0">
                 <a:solidFill>
@@ -7946,19 +7883,19 @@
                 <a:latin typeface="Arial" charset="0"/>
                 <a:ea typeface="宋体" pitchFamily="2" charset="-122"/>
               </a:rPr>
-              <a:t> instruction.</a:t>
-            </a:r>
-          </a:p>
-          <a:p>
-            <a:pPr marL="342900" lvl="1" indent="-342900" algn="just" defTabSz="600077">
+              <a:t>The web page is passed through the various WHOIS checks. These make use of a WHOIS service provider and retrieves the required field(s) for verification.</a:t>
+            </a:r>
+          </a:p>
+          <a:p>
+            <a:pPr marL="457200" lvl="1" indent="-457200" algn="just" defTabSz="600077">
               <a:spcBef>
                 <a:spcPct val="50000"/>
               </a:spcBef>
               <a:buClr>
                 <a:srgbClr val="FF6600"/>
               </a:buClr>
-              <a:buFont typeface="Wingdings" charset="2"/>
-              <a:buChar char="§"/>
+              <a:buFont typeface="+mj-lt"/>
+              <a:buAutoNum type="arabicPeriod"/>
             </a:pPr>
             <a:r>
               <a:rPr lang="en-US" altLang="zh-CN" sz="2300" baseline="0" dirty="0">
@@ -7968,18 +7905,20 @@
                 <a:latin typeface="Arial" charset="0"/>
                 <a:ea typeface="宋体" pitchFamily="2" charset="-122"/>
               </a:rPr>
-              <a:t>Construct gadgets so as to </a:t>
-            </a:r>
-            <a:r>
-              <a:rPr lang="en-US" altLang="zh-CN" sz="2300" b="1" baseline="0" dirty="0">
-                <a:solidFill>
-                  <a:srgbClr val="000000"/>
-                </a:solidFill>
-                <a:latin typeface="Arial" charset="0"/>
-                <a:ea typeface="宋体" pitchFamily="2" charset="-122"/>
-              </a:rPr>
-              <a:t>populate the stack with precise values</a:t>
-            </a:r>
+              <a:t>Page statistics are examined for the target URL.</a:t>
+            </a:r>
+          </a:p>
+          <a:p>
+            <a:pPr marL="457200" lvl="1" indent="-457200" algn="just" defTabSz="600077">
+              <a:spcBef>
+                <a:spcPct val="50000"/>
+              </a:spcBef>
+              <a:buClr>
+                <a:srgbClr val="FF6600"/>
+              </a:buClr>
+              <a:buFont typeface="+mj-lt"/>
+              <a:buAutoNum type="arabicPeriod"/>
+            </a:pPr>
             <a:r>
               <a:rPr lang="en-US" altLang="zh-CN" sz="2300" baseline="0" dirty="0">
                 <a:solidFill>
@@ -7988,18 +7927,37 @@
                 <a:latin typeface="Arial" charset="0"/>
                 <a:ea typeface="宋体" pitchFamily="2" charset="-122"/>
               </a:rPr>
-              <a:t>, thereby hijacking the program flow to perform the attacker’s targeted action. </a:t>
-            </a:r>
-            <a:r>
-              <a:rPr lang="en-US" altLang="zh-CN" sz="2300" baseline="0" dirty="0" err="1">
+              <a:t>The target URL’s web page is parsed for </a:t>
+            </a:r>
+            <a:r>
+              <a:rPr lang="en-US" altLang="zh-CN" sz="2300" baseline="0">
                 <a:solidFill>
                   <a:srgbClr val="000000"/>
                 </a:solidFill>
                 <a:latin typeface="Arial" charset="0"/>
                 <a:ea typeface="宋体" pitchFamily="2" charset="-122"/>
               </a:rPr>
-              <a:t>E.g</a:t>
-            </a:r>
+              <a:t>suspicious elements.</a:t>
+            </a:r>
+            <a:endParaRPr lang="en-US" altLang="zh-CN" sz="2300" baseline="0" dirty="0">
+              <a:solidFill>
+                <a:srgbClr val="000000"/>
+              </a:solidFill>
+              <a:latin typeface="Arial" charset="0"/>
+              <a:ea typeface="宋体" pitchFamily="2" charset="-122"/>
+            </a:endParaRPr>
+          </a:p>
+          <a:p>
+            <a:pPr marL="457200" lvl="1" indent="-457200" algn="just" defTabSz="600077">
+              <a:spcBef>
+                <a:spcPct val="50000"/>
+              </a:spcBef>
+              <a:buClr>
+                <a:srgbClr val="FF6600"/>
+              </a:buClr>
+              <a:buFont typeface="+mj-lt"/>
+              <a:buAutoNum type="arabicPeriod"/>
+            </a:pPr>
             <a:r>
               <a:rPr lang="en-US" altLang="zh-CN" sz="2300" baseline="0" dirty="0">
                 <a:solidFill>
@@ -8008,151 +7966,7 @@
                 <a:latin typeface="Arial" charset="0"/>
                 <a:ea typeface="宋体" pitchFamily="2" charset="-122"/>
               </a:rPr>
-              <a:t> spawn a shell or disable DEP.</a:t>
-            </a:r>
-          </a:p>
-          <a:p>
-            <a:pPr marL="342900" lvl="1" indent="-342900" algn="just" defTabSz="600077">
-              <a:spcBef>
-                <a:spcPct val="50000"/>
-              </a:spcBef>
-              <a:buClr>
-                <a:srgbClr val="FF6600"/>
-              </a:buClr>
-              <a:buFont typeface="Wingdings" charset="2"/>
-              <a:buChar char="§"/>
-            </a:pPr>
-            <a:r>
-              <a:rPr lang="en-US" altLang="zh-CN" sz="2300" baseline="0" dirty="0">
-                <a:solidFill>
-                  <a:srgbClr val="000000"/>
-                </a:solidFill>
-                <a:latin typeface="Arial" charset="0"/>
-                <a:ea typeface="宋体" pitchFamily="2" charset="-122"/>
-              </a:rPr>
-              <a:t>Proof of Concept done on </a:t>
-            </a:r>
-            <a:r>
-              <a:rPr lang="en-US" altLang="zh-CN" sz="2300" b="1" baseline="0" dirty="0">
-                <a:solidFill>
-                  <a:srgbClr val="000000"/>
-                </a:solidFill>
-                <a:latin typeface="Arial" charset="0"/>
-                <a:ea typeface="宋体" pitchFamily="2" charset="-122"/>
-              </a:rPr>
-              <a:t>Linux</a:t>
-            </a:r>
-            <a:r>
-              <a:rPr lang="en-US" altLang="zh-CN" sz="2300" baseline="0" dirty="0">
-                <a:solidFill>
-                  <a:srgbClr val="000000"/>
-                </a:solidFill>
-                <a:latin typeface="Arial" charset="0"/>
-                <a:ea typeface="宋体" pitchFamily="2" charset="-122"/>
-              </a:rPr>
-              <a:t> and</a:t>
-            </a:r>
-            <a:r>
-              <a:rPr lang="en-US" altLang="zh-CN" sz="2300" b="1" baseline="0" dirty="0">
-                <a:solidFill>
-                  <a:srgbClr val="000000"/>
-                </a:solidFill>
-                <a:latin typeface="Arial" charset="0"/>
-                <a:ea typeface="宋体" pitchFamily="2" charset="-122"/>
-              </a:rPr>
-              <a:t> Windows 7</a:t>
-            </a:r>
-            <a:r>
-              <a:rPr lang="en-US" altLang="zh-CN" sz="2300" baseline="0" dirty="0">
-                <a:solidFill>
-                  <a:srgbClr val="000000"/>
-                </a:solidFill>
-                <a:latin typeface="Arial" charset="0"/>
-                <a:ea typeface="宋体" pitchFamily="2" charset="-122"/>
-              </a:rPr>
-              <a:t> operating system.</a:t>
-            </a:r>
-          </a:p>
-          <a:p>
-            <a:pPr marL="342900" lvl="1" indent="-342900" algn="just" defTabSz="600077">
-              <a:spcBef>
-                <a:spcPct val="50000"/>
-              </a:spcBef>
-              <a:buClr>
-                <a:srgbClr val="FF6600"/>
-              </a:buClr>
-              <a:buFont typeface="Wingdings" charset="2"/>
-              <a:buChar char="§"/>
-            </a:pPr>
-            <a:r>
-              <a:rPr lang="en-US" altLang="zh-CN" sz="2300" baseline="0" dirty="0">
-                <a:solidFill>
-                  <a:srgbClr val="000000"/>
-                </a:solidFill>
-                <a:latin typeface="Arial" charset="0"/>
-                <a:ea typeface="宋体" pitchFamily="2" charset="-122"/>
-              </a:rPr>
-              <a:t>Can be combined with other vulnerabilities to add </a:t>
-            </a:r>
-            <a:r>
-              <a:rPr lang="en-US" altLang="zh-CN" sz="2300" b="1" baseline="0" dirty="0">
-                <a:solidFill>
-                  <a:srgbClr val="000000"/>
-                </a:solidFill>
-                <a:latin typeface="Arial" charset="0"/>
-                <a:ea typeface="宋体" pitchFamily="2" charset="-122"/>
-              </a:rPr>
-              <a:t>diversity</a:t>
-            </a:r>
-            <a:r>
-              <a:rPr lang="en-US" altLang="zh-CN" sz="2300" baseline="0" dirty="0">
-                <a:solidFill>
-                  <a:srgbClr val="000000"/>
-                </a:solidFill>
-                <a:latin typeface="Arial" charset="0"/>
-                <a:ea typeface="宋体" pitchFamily="2" charset="-122"/>
-              </a:rPr>
-              <a:t> to the attack. </a:t>
-            </a:r>
-            <a:r>
-              <a:rPr lang="en-US" altLang="zh-CN" sz="2300" baseline="0" dirty="0" err="1">
-                <a:solidFill>
-                  <a:srgbClr val="000000"/>
-                </a:solidFill>
-                <a:latin typeface="Arial" charset="0"/>
-                <a:ea typeface="宋体" pitchFamily="2" charset="-122"/>
-              </a:rPr>
-              <a:t>E.g</a:t>
-            </a:r>
-            <a:r>
-              <a:rPr lang="en-US" altLang="zh-CN" sz="2300" baseline="0" dirty="0">
-                <a:solidFill>
-                  <a:srgbClr val="000000"/>
-                </a:solidFill>
-                <a:latin typeface="Arial" charset="0"/>
-                <a:ea typeface="宋体" pitchFamily="2" charset="-122"/>
-              </a:rPr>
-              <a:t> </a:t>
-            </a:r>
-            <a:r>
-              <a:rPr lang="en-US" altLang="zh-CN" sz="2300" b="1" baseline="0" dirty="0">
-                <a:solidFill>
-                  <a:srgbClr val="000000"/>
-                </a:solidFill>
-                <a:latin typeface="Arial" charset="0"/>
-                <a:ea typeface="宋体" pitchFamily="2" charset="-122"/>
-              </a:rPr>
-              <a:t>Format String Vulnerability</a:t>
-            </a:r>
-            <a:r>
-              <a:rPr lang="en-US" altLang="zh-CN" sz="2300" baseline="0" dirty="0">
-                <a:solidFill>
-                  <a:srgbClr val="000000"/>
-                </a:solidFill>
-                <a:latin typeface="Arial" charset="0"/>
-                <a:ea typeface="宋体" pitchFamily="2" charset="-122"/>
-              </a:rPr>
-              <a:t>.</a:t>
+              <a:t>Finally, the results of the phishing checks are displayed to the user. The user has to decide whether to proceed to visit the web page.</a:t>
             </a:r>
           </a:p>
           <a:p>
@@ -8315,7 +8129,27 @@
                 <a:latin typeface="Arial" charset="0"/>
                 <a:ea typeface="宋体" pitchFamily="2" charset="-122"/>
               </a:rPr>
-              <a:t>Punycode Detection – </a:t>
+              <a:t>Punycode </a:t>
+            </a:r>
+            <a:r>
+              <a:rPr lang="en-US" sz="2300" baseline="0" dirty="0">
+                <a:solidFill>
+                  <a:srgbClr val="000000"/>
+                </a:solidFill>
+                <a:latin typeface="Arial" charset="0"/>
+                <a:ea typeface="宋体" pitchFamily="2" charset="-122"/>
+              </a:rPr>
+              <a:t>–</a:t>
+            </a:r>
+            <a:r>
+              <a:rPr lang="en-US" sz="2300" b="1" baseline="0" dirty="0">
+                <a:solidFill>
+                  <a:srgbClr val="000000"/>
+                </a:solidFill>
+                <a:latin typeface="Arial" charset="0"/>
+                <a:ea typeface="宋体" pitchFamily="2" charset="-122"/>
+              </a:rPr>
+              <a:t> </a:t>
             </a:r>
             <a:r>
               <a:rPr lang="en-US" sz="2300" baseline="0" dirty="0">
@@ -8365,7 +8199,7 @@
                 <a:latin typeface="Arial" charset="0"/>
                 <a:ea typeface="宋体" pitchFamily="2" charset="-122"/>
               </a:rPr>
-              <a:t>Redirect Detection</a:t>
+              <a:t>Redirects </a:t>
             </a:r>
             <a:r>
               <a:rPr lang="en-US" altLang="zh-CN" sz="2300" baseline="0" dirty="0">
@@ -8375,7 +8209,7 @@
                 <a:latin typeface="Arial" charset="0"/>
                 <a:ea typeface="宋体" pitchFamily="2" charset="-122"/>
               </a:rPr>
-              <a:t> – Long URLs are difficult to distribute and remember. Malicious redirects can be hidden in shorted URLs and can be used to disguise the underlying address. Redirects can also be triggered by embedded JavaScript code. </a:t>
+              <a:t>– Long URLs are difficult to distribute and remember. Malicious redirects can be hidden in shortened URLs and can be used to disguise the underlying address. Redirects can also be triggered by embedded JavaScript code.</a:t>
             </a:r>
             <a:endParaRPr lang="en-AU" altLang="zh-CN" sz="2300" baseline="0" dirty="0">
               <a:solidFill>
@@ -8521,6 +8355,66 @@
             </a:r>
           </a:p>
           <a:p>
+            <a:pPr marL="576586" lvl="2" indent="-269074" algn="just" defTabSz="538147">
+              <a:spcBef>
+                <a:spcPct val="50000"/>
+              </a:spcBef>
+              <a:buBlip>
+                <a:blip r:embed="rId3"/>
+              </a:buBlip>
+            </a:pPr>
+            <a:r>
+              <a:rPr lang="en-US" altLang="zh-CN" sz="2300" baseline="0" dirty="0">
+                <a:solidFill>
+                  <a:srgbClr val="000000"/>
+                </a:solidFill>
+                <a:latin typeface="Arial" charset="0"/>
+                <a:ea typeface="宋体" pitchFamily="2" charset="-122"/>
+              </a:rPr>
+              <a:t>Domain Age: ~96% of phishing sites are taken down within 1 month</a:t>
+            </a:r>
+          </a:p>
+          <a:p>
+            <a:pPr marL="576586" lvl="2" indent="-269074" algn="just" defTabSz="538147">
+              <a:spcBef>
+                <a:spcPct val="50000"/>
+              </a:spcBef>
+              <a:buBlip>
+                <a:blip r:embed="rId3"/>
+              </a:buBlip>
+            </a:pPr>
+            <a:r>
+              <a:rPr lang="en-US" altLang="zh-CN" sz="2300" baseline="0" dirty="0">
+                <a:solidFill>
+                  <a:srgbClr val="000000"/>
+                </a:solidFill>
+                <a:latin typeface="Arial" charset="0"/>
+                <a:ea typeface="宋体" pitchFamily="2" charset="-122"/>
+              </a:rPr>
+              <a:t>Domain Expiry: Legitimate domains are properly managed and renewed before they near expiry.</a:t>
+            </a:r>
+          </a:p>
+          <a:p>
+            <a:pPr marL="576586" lvl="2" indent="-269074" algn="just" defTabSz="538147">
+              <a:spcBef>
+                <a:spcPct val="50000"/>
+              </a:spcBef>
+              <a:buBlip>
+                <a:blip r:embed="rId3"/>
+              </a:buBlip>
+            </a:pPr>
+            <a:r>
+              <a:rPr lang="en-US" altLang="zh-CN" sz="2300" baseline="0" dirty="0">
+                <a:solidFill>
+                  <a:srgbClr val="000000"/>
+                </a:solidFill>
+                <a:latin typeface="Arial" charset="0"/>
+                <a:ea typeface="宋体" pitchFamily="2" charset="-122"/>
+              </a:rPr>
+              <a:t>Registrant Verification: Registrant can be a parent/holdings company. They must be registrants for their own websites.</a:t>
+            </a:r>
+          </a:p>
+          <a:p>
             <a:pPr marL="269074" lvl="1" indent="-269074" algn="just" defTabSz="538147">
               <a:spcBef>
                 <a:spcPct val="50000"/>
@@ -8738,36 +8632,6 @@
           </a:p>
         </p:txBody>
       </p:sp>
-      <p:pic>
-        <p:nvPicPr>
-          <p:cNvPr id="9" name="Picture 8" descr="Tret2libc3.tif"/>
-          <p:cNvPicPr>
-            <a:picLocks noChangeAspect="1"/>
-          </p:cNvPicPr>
-          <p:nvPr/>
-        </p:nvPicPr>
-        <p:blipFill>
-          <a:blip r:embed="rId5" cstate="print">
-            <a:extLst>
-              <a:ext uri="{28A0092B-C50C-407E-A947-70E740481C1C}">
-                <a14:useLocalDpi xmlns:a14="http://schemas.microsoft.com/office/drawing/2010/main" val="0"/>
-              </a:ext>
-            </a:extLst>
-          </a:blip>
-          <a:stretch>
-            <a:fillRect/>
-          </a:stretch>
-        </p:blipFill>
-        <p:spPr>
-          <a:xfrm>
-            <a:off x="10641806" y="16713994"/>
-            <a:ext cx="10210800" cy="4191000"/>
-          </a:xfrm>
-          <a:prstGeom prst="rect">
-            <a:avLst/>
-          </a:prstGeom>
-        </p:spPr>
-      </p:pic>
       <p:graphicFrame>
         <p:nvGraphicFramePr>
           <p:cNvPr id="3" name="Table 2">
@@ -8783,7 +8647,7 @@
           <p:nvPr>
             <p:extLst>
               <p:ext uri="{D42A27DB-BD31-4B8C-83A1-F6EECF244321}">
-                <p14:modId xmlns:p14="http://schemas.microsoft.com/office/powerpoint/2010/main" val="329622840"/>
+                <p14:modId xmlns:p14="http://schemas.microsoft.com/office/powerpoint/2010/main" val="3941208740"/>
               </p:ext>
             </p:extLst>
           </p:nvPr>
@@ -9029,7 +8893,7 @@
                     <a:p>
                       <a:r>
                         <a:rPr lang="en-SG" sz="2000" dirty="0"/>
-                        <a:t>Registrant</a:t>
+                        <a:t>Registrant Verification</a:t>
                       </a:r>
                     </a:p>
                   </a:txBody>
@@ -9461,7 +9325,7 @@
           <p:nvPr>
             <p:extLst>
               <p:ext uri="{D42A27DB-BD31-4B8C-83A1-F6EECF244321}">
-                <p14:modId xmlns:p14="http://schemas.microsoft.com/office/powerpoint/2010/main" val="2346250093"/>
+                <p14:modId xmlns:p14="http://schemas.microsoft.com/office/powerpoint/2010/main" val="150192775"/>
               </p:ext>
             </p:extLst>
           </p:nvPr>
@@ -9472,7 +9336,7 @@
         </p:xfrm>
         <a:graphic>
           <a:graphicData uri="http://schemas.openxmlformats.org/drawingml/2006/diagram">
-            <dgm:relIds xmlns:dgm="http://schemas.openxmlformats.org/drawingml/2006/diagram" xmlns:r="http://schemas.openxmlformats.org/officeDocument/2006/relationships" r:dm="rId6" r:lo="rId7" r:qs="rId8" r:cs="rId9"/>
+            <dgm:relIds xmlns:dgm="http://schemas.openxmlformats.org/drawingml/2006/diagram" xmlns:r="http://schemas.openxmlformats.org/officeDocument/2006/relationships" r:dm="rId5" r:lo="rId6" r:qs="rId7" r:cs="rId8"/>
           </a:graphicData>
         </a:graphic>
       </p:graphicFrame>

--- a/Poster.pptx
+++ b/Poster.pptx
@@ -161,12 +161,12 @@
   <pc:docChgLst>
     <pc:chgData name="Daryl Quek" userId="f27e3362e4192b30" providerId="LiveId" clId="{EABF0CBF-A883-4410-8F6F-DAEAA6E8CC01}"/>
     <pc:docChg chg="undo custSel modSld">
-      <pc:chgData name="Daryl Quek" userId="f27e3362e4192b30" providerId="LiveId" clId="{EABF0CBF-A883-4410-8F6F-DAEAA6E8CC01}" dt="2018-11-25T09:59:11.373" v="3385" actId="20577"/>
+      <pc:chgData name="Daryl Quek" userId="f27e3362e4192b30" providerId="LiveId" clId="{EABF0CBF-A883-4410-8F6F-DAEAA6E8CC01}" dt="2018-11-25T13:55:00.998" v="3504" actId="20577"/>
       <pc:docMkLst>
         <pc:docMk/>
       </pc:docMkLst>
       <pc:sldChg chg="addSp delSp modSp">
-        <pc:chgData name="Daryl Quek" userId="f27e3362e4192b30" providerId="LiveId" clId="{EABF0CBF-A883-4410-8F6F-DAEAA6E8CC01}" dt="2018-11-25T09:59:11.373" v="3385" actId="20577"/>
+        <pc:chgData name="Daryl Quek" userId="f27e3362e4192b30" providerId="LiveId" clId="{EABF0CBF-A883-4410-8F6F-DAEAA6E8CC01}" dt="2018-11-25T13:55:00.998" v="3504" actId="20577"/>
         <pc:sldMkLst>
           <pc:docMk/>
           <pc:sldMk cId="0" sldId="256"/>
@@ -180,7 +180,7 @@
           </ac:spMkLst>
         </pc:spChg>
         <pc:spChg chg="mod">
-          <ac:chgData name="Daryl Quek" userId="f27e3362e4192b30" providerId="LiveId" clId="{EABF0CBF-A883-4410-8F6F-DAEAA6E8CC01}" dt="2018-11-25T09:58:49.833" v="3296" actId="20577"/>
+          <ac:chgData name="Daryl Quek" userId="f27e3362e4192b30" providerId="LiveId" clId="{EABF0CBF-A883-4410-8F6F-DAEAA6E8CC01}" dt="2018-11-25T13:55:00.998" v="3504" actId="20577"/>
           <ac:spMkLst>
             <pc:docMk/>
             <pc:sldMk cId="0" sldId="256"/>
@@ -201,6 +201,14 @@
             <pc:docMk/>
             <pc:sldMk cId="0" sldId="256"/>
             <ac:spMk id="2072" creationId="{00000000-0000-0000-0000-000000000000}"/>
+          </ac:spMkLst>
+        </pc:spChg>
+        <pc:spChg chg="mod">
+          <ac:chgData name="Daryl Quek" userId="f27e3362e4192b30" providerId="LiveId" clId="{EABF0CBF-A883-4410-8F6F-DAEAA6E8CC01}" dt="2018-11-25T13:51:13.401" v="3387" actId="20577"/>
+          <ac:spMkLst>
+            <pc:docMk/>
+            <pc:sldMk cId="0" sldId="256"/>
+            <ac:spMk id="2330" creationId="{00000000-0000-0000-0000-000000000000}"/>
           </ac:spMkLst>
         </pc:spChg>
         <pc:spChg chg="mod">
@@ -7439,7 +7447,7 @@
                 <a:latin typeface="Arial" charset="0"/>
                 <a:ea typeface="宋体" pitchFamily="2" charset="-122"/>
               </a:rPr>
-              <a:t>Our project aims to warn users before they visit malicious websites unknowingly and defeat homograph attacks and malicious redirects.</a:t>
+              <a:t>Our project aims to warn users before they visit malicious websites unknowingly to defeat homograph attacks and malicious redirects.</a:t>
             </a:r>
           </a:p>
           <a:p>
@@ -8351,7 +8359,7 @@
                 <a:latin typeface="Arial" charset="0"/>
                 <a:ea typeface="宋体" pitchFamily="2" charset="-122"/>
               </a:rPr>
-              <a:t>Performs verification checks using data in the WHOIS record for the page.</a:t>
+              <a:t>Performs verification checks using data in the WHOIS record for the target URL’s domain.</a:t>
             </a:r>
           </a:p>
           <a:p>
@@ -8433,16 +8441,6 @@
               </a:rPr>
               <a:t>Site Statistics. </a:t>
             </a:r>
-          </a:p>
-          <a:p>
-            <a:pPr marL="576586" lvl="2" indent="-269074" algn="just" defTabSz="538147">
-              <a:spcBef>
-                <a:spcPct val="50000"/>
-              </a:spcBef>
-              <a:buBlip>
-                <a:blip r:embed="rId3"/>
-              </a:buBlip>
-            </a:pPr>
             <a:r>
               <a:rPr lang="en-US" altLang="zh-CN" sz="2300" baseline="0" dirty="0">
                 <a:solidFill>
@@ -8521,27 +8519,17 @@
                 <a:latin typeface="Arial" charset="0"/>
                 <a:ea typeface="宋体" pitchFamily="2" charset="-122"/>
               </a:rPr>
-              <a:t>Obfuscate the </a:t>
-            </a:r>
-            <a:r>
-              <a:rPr lang="en-US" altLang="zh-CN" sz="2300" b="1" baseline="0" dirty="0">
+              <a:t>Examines the target URL’s web page’s contents for </a:t>
+            </a:r>
+            <a:r>
+              <a:rPr lang="en-US" altLang="zh-CN" sz="2300" baseline="0">
                 <a:solidFill>
                   <a:srgbClr val="000000"/>
                 </a:solidFill>
                 <a:latin typeface="Arial" charset="0"/>
                 <a:ea typeface="宋体" pitchFamily="2" charset="-122"/>
               </a:rPr>
-              <a:t>RET </a:t>
-            </a:r>
-            <a:r>
-              <a:rPr lang="en-US" altLang="zh-CN" sz="2300" baseline="0" dirty="0">
-                <a:solidFill>
-                  <a:srgbClr val="000000"/>
-                </a:solidFill>
-                <a:latin typeface="Arial" charset="0"/>
-                <a:ea typeface="宋体" pitchFamily="2" charset="-122"/>
-              </a:rPr>
-              <a:t>instruction to divert the program flow.</a:t>
+              <a:t>suspicious elements.</a:t>
             </a:r>
             <a:endParaRPr lang="en-US" altLang="zh-CN" sz="2300" b="1" baseline="0" dirty="0">
               <a:solidFill>
